--- a/메타몽크조.pptx
+++ b/메타몽크조.pptx
@@ -290,7 +290,7 @@
           <a:p>
             <a:fld id="{81745284-18F9-4968-BC8B-3D7C9AED7E57}" type="datetimeFigureOut">
               <a:rPr lang="ko-KR" altLang="en-US" smtClean="0"/>
-              <a:t>2023-12-29</a:t>
+              <a:t>2024-03-27</a:t>
             </a:fld>
             <a:endParaRPr lang="ko-KR" altLang="en-US"/>
           </a:p>
@@ -488,7 +488,7 @@
           <a:p>
             <a:fld id="{81745284-18F9-4968-BC8B-3D7C9AED7E57}" type="datetimeFigureOut">
               <a:rPr lang="ko-KR" altLang="en-US" smtClean="0"/>
-              <a:t>2023-12-29</a:t>
+              <a:t>2024-03-27</a:t>
             </a:fld>
             <a:endParaRPr lang="ko-KR" altLang="en-US"/>
           </a:p>
@@ -696,7 +696,7 @@
           <a:p>
             <a:fld id="{81745284-18F9-4968-BC8B-3D7C9AED7E57}" type="datetimeFigureOut">
               <a:rPr lang="ko-KR" altLang="en-US" smtClean="0"/>
-              <a:t>2023-12-29</a:t>
+              <a:t>2024-03-27</a:t>
             </a:fld>
             <a:endParaRPr lang="ko-KR" altLang="en-US"/>
           </a:p>
@@ -894,7 +894,7 @@
           <a:p>
             <a:fld id="{81745284-18F9-4968-BC8B-3D7C9AED7E57}" type="datetimeFigureOut">
               <a:rPr lang="ko-KR" altLang="en-US" smtClean="0"/>
-              <a:t>2023-12-29</a:t>
+              <a:t>2024-03-27</a:t>
             </a:fld>
             <a:endParaRPr lang="ko-KR" altLang="en-US"/>
           </a:p>
@@ -1169,7 +1169,7 @@
           <a:p>
             <a:fld id="{81745284-18F9-4968-BC8B-3D7C9AED7E57}" type="datetimeFigureOut">
               <a:rPr lang="ko-KR" altLang="en-US" smtClean="0"/>
-              <a:t>2023-12-29</a:t>
+              <a:t>2024-03-27</a:t>
             </a:fld>
             <a:endParaRPr lang="ko-KR" altLang="en-US"/>
           </a:p>
@@ -1434,7 +1434,7 @@
           <a:p>
             <a:fld id="{81745284-18F9-4968-BC8B-3D7C9AED7E57}" type="datetimeFigureOut">
               <a:rPr lang="ko-KR" altLang="en-US" smtClean="0"/>
-              <a:t>2023-12-29</a:t>
+              <a:t>2024-03-27</a:t>
             </a:fld>
             <a:endParaRPr lang="ko-KR" altLang="en-US"/>
           </a:p>
@@ -1846,7 +1846,7 @@
           <a:p>
             <a:fld id="{81745284-18F9-4968-BC8B-3D7C9AED7E57}" type="datetimeFigureOut">
               <a:rPr lang="ko-KR" altLang="en-US" smtClean="0"/>
-              <a:t>2023-12-29</a:t>
+              <a:t>2024-03-27</a:t>
             </a:fld>
             <a:endParaRPr lang="ko-KR" altLang="en-US"/>
           </a:p>
@@ -1987,7 +1987,7 @@
           <a:p>
             <a:fld id="{81745284-18F9-4968-BC8B-3D7C9AED7E57}" type="datetimeFigureOut">
               <a:rPr lang="ko-KR" altLang="en-US" smtClean="0"/>
-              <a:t>2023-12-29</a:t>
+              <a:t>2024-03-27</a:t>
             </a:fld>
             <a:endParaRPr lang="ko-KR" altLang="en-US"/>
           </a:p>
@@ -2100,7 +2100,7 @@
           <a:p>
             <a:fld id="{81745284-18F9-4968-BC8B-3D7C9AED7E57}" type="datetimeFigureOut">
               <a:rPr lang="ko-KR" altLang="en-US" smtClean="0"/>
-              <a:t>2023-12-29</a:t>
+              <a:t>2024-03-27</a:t>
             </a:fld>
             <a:endParaRPr lang="ko-KR" altLang="en-US"/>
           </a:p>
@@ -2488,7 +2488,7 @@
           <a:p>
             <a:fld id="{81745284-18F9-4968-BC8B-3D7C9AED7E57}" type="datetimeFigureOut">
               <a:rPr lang="ko-KR" altLang="en-US" smtClean="0"/>
-              <a:t>2023-12-29</a:t>
+              <a:t>2024-03-27</a:t>
             </a:fld>
             <a:endParaRPr lang="ko-KR" altLang="en-US"/>
           </a:p>
@@ -2776,7 +2776,7 @@
           <a:p>
             <a:fld id="{81745284-18F9-4968-BC8B-3D7C9AED7E57}" type="datetimeFigureOut">
               <a:rPr lang="ko-KR" altLang="en-US" smtClean="0"/>
-              <a:t>2023-12-29</a:t>
+              <a:t>2024-03-27</a:t>
             </a:fld>
             <a:endParaRPr lang="ko-KR" altLang="en-US"/>
           </a:p>
@@ -3017,7 +3017,7 @@
           <a:p>
             <a:fld id="{81745284-18F9-4968-BC8B-3D7C9AED7E57}" type="datetimeFigureOut">
               <a:rPr lang="ko-KR" altLang="en-US" smtClean="0"/>
-              <a:t>2023-12-29</a:t>
+              <a:t>2024-03-27</a:t>
             </a:fld>
             <a:endParaRPr lang="ko-KR" altLang="en-US"/>
           </a:p>
@@ -3541,13 +3541,13 @@
   <p:clrMapOvr>
     <a:masterClrMapping/>
   </p:clrMapOvr>
-  <mc:AlternateContent xmlns:mc="http://schemas.openxmlformats.org/markup-compatibility/2006" xmlns:p159="http://schemas.microsoft.com/office/powerpoint/2015/09/main">
-    <mc:Choice Requires="p159">
+  <mc:AlternateContent xmlns:mc="http://schemas.openxmlformats.org/markup-compatibility/2006">
+    <mc:Choice xmlns="" xmlns:p159="http://schemas.microsoft.com/office/powerpoint/2015/09/main" Requires="p159">
       <p:transition xmlns:p14="http://schemas.microsoft.com/office/powerpoint/2010/main" spd="slow" p14:dur="2000">
         <p159:morph option="byObject"/>
       </p:transition>
     </mc:Choice>
-    <mc:Fallback xmlns="">
+    <mc:Fallback>
       <p:transition spd="slow">
         <p:fade/>
       </p:transition>
@@ -3824,13 +3824,13 @@
   <p:clrMapOvr>
     <a:masterClrMapping/>
   </p:clrMapOvr>
-  <mc:AlternateContent xmlns:mc="http://schemas.openxmlformats.org/markup-compatibility/2006" xmlns:p159="http://schemas.microsoft.com/office/powerpoint/2015/09/main">
-    <mc:Choice Requires="p159">
+  <mc:AlternateContent xmlns:mc="http://schemas.openxmlformats.org/markup-compatibility/2006">
+    <mc:Choice xmlns="" xmlns:p159="http://schemas.microsoft.com/office/powerpoint/2015/09/main" Requires="p159">
       <p:transition xmlns:p14="http://schemas.microsoft.com/office/powerpoint/2010/main" spd="slow" p14:dur="2000">
         <p159:morph option="byObject"/>
       </p:transition>
     </mc:Choice>
-    <mc:Fallback xmlns="">
+    <mc:Fallback>
       <p:transition spd="slow">
         <p:fade/>
       </p:transition>
@@ -4216,8 +4216,8 @@
         </p:nvSpPr>
         <p:spPr>
           <a:xfrm>
-            <a:off x="1498600" y="4267200"/>
-            <a:ext cx="8912726" cy="1726258"/>
+            <a:off x="1460634" y="4134923"/>
+            <a:ext cx="8912726" cy="2001516"/>
           </a:xfrm>
           <a:prstGeom prst="rect">
             <a:avLst/>
@@ -4250,7 +4250,241 @@
           <a:lstStyle/>
           <a:p>
             <a:pPr algn="ctr"/>
-            <a:endParaRPr lang="ko-KR" altLang="en-US"/>
+            <a:r>
+              <a:rPr lang="ko-KR" altLang="en-US" sz="1600" dirty="0" smtClean="0">
+                <a:latin typeface="HY헤드라인M" panose="02030600000101010101" pitchFamily="18" charset="-127"/>
+                <a:ea typeface="HY헤드라인M" panose="02030600000101010101" pitchFamily="18" charset="-127"/>
+              </a:rPr>
+              <a:t>신현택 </a:t>
+            </a:r>
+            <a:r>
+              <a:rPr lang="en-US" altLang="ko-KR" sz="1600" dirty="0" smtClean="0">
+                <a:latin typeface="HY헤드라인M" panose="02030600000101010101" pitchFamily="18" charset="-127"/>
+                <a:ea typeface="HY헤드라인M" panose="02030600000101010101" pitchFamily="18" charset="-127"/>
+              </a:rPr>
+              <a:t>:</a:t>
+            </a:r>
+            <a:r>
+              <a:rPr lang="ko-KR" altLang="en-US" sz="1600" dirty="0" smtClean="0">
+                <a:latin typeface="HY헤드라인M" panose="02030600000101010101" pitchFamily="18" charset="-127"/>
+                <a:ea typeface="HY헤드라인M" panose="02030600000101010101" pitchFamily="18" charset="-127"/>
+              </a:rPr>
+              <a:t> </a:t>
+            </a:r>
+            <a:r>
+              <a:rPr lang="en-US" altLang="ko-KR" sz="1600" dirty="0" smtClean="0">
+                <a:latin typeface="HY헤드라인M" panose="02030600000101010101" pitchFamily="18" charset="-127"/>
+                <a:ea typeface="HY헤드라인M" panose="02030600000101010101" pitchFamily="18" charset="-127"/>
+              </a:rPr>
+              <a:t>H/W </a:t>
+            </a:r>
+            <a:r>
+              <a:rPr lang="ko-KR" altLang="en-US" sz="1600" dirty="0" smtClean="0">
+                <a:latin typeface="HY헤드라인M" panose="02030600000101010101" pitchFamily="18" charset="-127"/>
+                <a:ea typeface="HY헤드라인M" panose="02030600000101010101" pitchFamily="18" charset="-127"/>
+              </a:rPr>
+              <a:t>프로그램 제작 및 </a:t>
+            </a:r>
+            <a:r>
+              <a:rPr lang="ko-KR" altLang="en-US" sz="1600" dirty="0" smtClean="0">
+                <a:latin typeface="HY헤드라인M" panose="02030600000101010101" pitchFamily="18" charset="-127"/>
+                <a:ea typeface="HY헤드라인M" panose="02030600000101010101" pitchFamily="18" charset="-127"/>
+              </a:rPr>
+              <a:t>구현</a:t>
+            </a:r>
+            <a:r>
+              <a:rPr lang="en-US" altLang="ko-KR" sz="1600" dirty="0" smtClean="0">
+                <a:latin typeface="HY헤드라인M" panose="02030600000101010101" pitchFamily="18" charset="-127"/>
+                <a:ea typeface="HY헤드라인M" panose="02030600000101010101" pitchFamily="18" charset="-127"/>
+              </a:rPr>
+              <a:t>	</a:t>
+            </a:r>
+            <a:r>
+              <a:rPr lang="ko-KR" altLang="en-US" sz="1600" dirty="0" err="1" smtClean="0">
+                <a:latin typeface="HY헤드라인M" panose="02030600000101010101" pitchFamily="18" charset="-127"/>
+                <a:ea typeface="HY헤드라인M" panose="02030600000101010101" pitchFamily="18" charset="-127"/>
+              </a:rPr>
+              <a:t>이동제</a:t>
+            </a:r>
+            <a:r>
+              <a:rPr lang="ko-KR" altLang="en-US" sz="1600" dirty="0" smtClean="0">
+                <a:latin typeface="HY헤드라인M" panose="02030600000101010101" pitchFamily="18" charset="-127"/>
+                <a:ea typeface="HY헤드라인M" panose="02030600000101010101" pitchFamily="18" charset="-127"/>
+              </a:rPr>
+              <a:t> </a:t>
+            </a:r>
+            <a:r>
+              <a:rPr lang="en-US" altLang="ko-KR" sz="1600" dirty="0" smtClean="0">
+                <a:latin typeface="HY헤드라인M" panose="02030600000101010101" pitchFamily="18" charset="-127"/>
+                <a:ea typeface="HY헤드라인M" panose="02030600000101010101" pitchFamily="18" charset="-127"/>
+              </a:rPr>
+              <a:t>: </a:t>
+            </a:r>
+            <a:r>
+              <a:rPr lang="ko-KR" altLang="en-US" sz="1600" dirty="0" smtClean="0">
+                <a:latin typeface="HY헤드라인M" panose="02030600000101010101" pitchFamily="18" charset="-127"/>
+                <a:ea typeface="HY헤드라인M" panose="02030600000101010101" pitchFamily="18" charset="-127"/>
+              </a:rPr>
+              <a:t>문서 작성</a:t>
+            </a:r>
+            <a:r>
+              <a:rPr lang="en-US" altLang="ko-KR" sz="1600" dirty="0" smtClean="0">
+                <a:latin typeface="HY헤드라인M" panose="02030600000101010101" pitchFamily="18" charset="-127"/>
+                <a:ea typeface="HY헤드라인M" panose="02030600000101010101" pitchFamily="18" charset="-127"/>
+              </a:rPr>
+              <a:t>, </a:t>
+            </a:r>
+            <a:r>
+              <a:rPr lang="ko-KR" altLang="en-US" sz="1600" dirty="0" smtClean="0">
+                <a:latin typeface="HY헤드라인M" panose="02030600000101010101" pitchFamily="18" charset="-127"/>
+                <a:ea typeface="HY헤드라인M" panose="02030600000101010101" pitchFamily="18" charset="-127"/>
+              </a:rPr>
+              <a:t>자료 조사</a:t>
+            </a:r>
+            <a:endParaRPr lang="en-US" altLang="ko-KR" sz="1600" dirty="0" smtClean="0">
+              <a:latin typeface="HY헤드라인M" panose="02030600000101010101" pitchFamily="18" charset="-127"/>
+              <a:ea typeface="HY헤드라인M" panose="02030600000101010101" pitchFamily="18" charset="-127"/>
+            </a:endParaRPr>
+          </a:p>
+          <a:p>
+            <a:pPr algn="ctr"/>
+            <a:endParaRPr lang="en-US" altLang="ko-KR" sz="1600" dirty="0" smtClean="0">
+              <a:latin typeface="HY헤드라인M" panose="02030600000101010101" pitchFamily="18" charset="-127"/>
+              <a:ea typeface="HY헤드라인M" panose="02030600000101010101" pitchFamily="18" charset="-127"/>
+            </a:endParaRPr>
+          </a:p>
+          <a:p>
+            <a:pPr algn="ctr"/>
+            <a:r>
+              <a:rPr lang="ko-KR" altLang="en-US" sz="1600" dirty="0" err="1" smtClean="0">
+                <a:latin typeface="HY헤드라인M" panose="02030600000101010101" pitchFamily="18" charset="-127"/>
+                <a:ea typeface="HY헤드라인M" panose="02030600000101010101" pitchFamily="18" charset="-127"/>
+              </a:rPr>
+              <a:t>박도월</a:t>
+            </a:r>
+            <a:r>
+              <a:rPr lang="ko-KR" altLang="en-US" sz="1600" dirty="0" smtClean="0">
+                <a:latin typeface="HY헤드라인M" panose="02030600000101010101" pitchFamily="18" charset="-127"/>
+                <a:ea typeface="HY헤드라인M" panose="02030600000101010101" pitchFamily="18" charset="-127"/>
+              </a:rPr>
+              <a:t> </a:t>
+            </a:r>
+            <a:r>
+              <a:rPr lang="en-US" altLang="ko-KR" sz="1600" dirty="0" smtClean="0">
+                <a:latin typeface="HY헤드라인M" panose="02030600000101010101" pitchFamily="18" charset="-127"/>
+                <a:ea typeface="HY헤드라인M" panose="02030600000101010101" pitchFamily="18" charset="-127"/>
+              </a:rPr>
+              <a:t>: S/W </a:t>
+            </a:r>
+            <a:r>
+              <a:rPr lang="ko-KR" altLang="en-US" sz="1600" dirty="0" smtClean="0">
+                <a:latin typeface="HY헤드라인M" panose="02030600000101010101" pitchFamily="18" charset="-127"/>
+                <a:ea typeface="HY헤드라인M" panose="02030600000101010101" pitchFamily="18" charset="-127"/>
+              </a:rPr>
+              <a:t>프로그램 제작 및 </a:t>
+            </a:r>
+            <a:r>
+              <a:rPr lang="ko-KR" altLang="en-US" sz="1600" dirty="0" smtClean="0">
+                <a:latin typeface="HY헤드라인M" panose="02030600000101010101" pitchFamily="18" charset="-127"/>
+                <a:ea typeface="HY헤드라인M" panose="02030600000101010101" pitchFamily="18" charset="-127"/>
+              </a:rPr>
+              <a:t>구현</a:t>
+            </a:r>
+            <a:r>
+              <a:rPr lang="en-US" altLang="ko-KR" sz="1600" dirty="0" smtClean="0">
+                <a:latin typeface="HY헤드라인M" panose="02030600000101010101" pitchFamily="18" charset="-127"/>
+                <a:ea typeface="HY헤드라인M" panose="02030600000101010101" pitchFamily="18" charset="-127"/>
+              </a:rPr>
+              <a:t>	</a:t>
+            </a:r>
+            <a:r>
+              <a:rPr lang="ko-KR" altLang="en-US" sz="1600" dirty="0" smtClean="0">
+                <a:latin typeface="HY헤드라인M" panose="02030600000101010101" pitchFamily="18" charset="-127"/>
+                <a:ea typeface="HY헤드라인M" panose="02030600000101010101" pitchFamily="18" charset="-127"/>
+              </a:rPr>
+              <a:t>송기찬 </a:t>
+            </a:r>
+            <a:r>
+              <a:rPr lang="en-US" altLang="ko-KR" sz="1600" dirty="0" smtClean="0">
+                <a:latin typeface="HY헤드라인M" panose="02030600000101010101" pitchFamily="18" charset="-127"/>
+                <a:ea typeface="HY헤드라인M" panose="02030600000101010101" pitchFamily="18" charset="-127"/>
+              </a:rPr>
+              <a:t>: </a:t>
+            </a:r>
+            <a:r>
+              <a:rPr lang="ko-KR" altLang="en-US" sz="1600" dirty="0" smtClean="0">
+                <a:latin typeface="HY헤드라인M" panose="02030600000101010101" pitchFamily="18" charset="-127"/>
+                <a:ea typeface="HY헤드라인M" panose="02030600000101010101" pitchFamily="18" charset="-127"/>
+              </a:rPr>
+              <a:t>문서 작성</a:t>
+            </a:r>
+            <a:r>
+              <a:rPr lang="en-US" altLang="ko-KR" sz="1600" dirty="0" smtClean="0">
+                <a:latin typeface="HY헤드라인M" panose="02030600000101010101" pitchFamily="18" charset="-127"/>
+                <a:ea typeface="HY헤드라인M" panose="02030600000101010101" pitchFamily="18" charset="-127"/>
+              </a:rPr>
+              <a:t>, </a:t>
+            </a:r>
+            <a:r>
+              <a:rPr lang="ko-KR" altLang="en-US" sz="1600" dirty="0" smtClean="0">
+                <a:latin typeface="HY헤드라인M" panose="02030600000101010101" pitchFamily="18" charset="-127"/>
+                <a:ea typeface="HY헤드라인M" panose="02030600000101010101" pitchFamily="18" charset="-127"/>
+              </a:rPr>
+              <a:t>자료 </a:t>
+            </a:r>
+            <a:r>
+              <a:rPr lang="ko-KR" altLang="en-US" sz="1600" dirty="0" smtClean="0">
+                <a:latin typeface="HY헤드라인M" panose="02030600000101010101" pitchFamily="18" charset="-127"/>
+                <a:ea typeface="HY헤드라인M" panose="02030600000101010101" pitchFamily="18" charset="-127"/>
+              </a:rPr>
+              <a:t>조사</a:t>
+            </a:r>
+            <a:endParaRPr lang="en-US" altLang="ko-KR" sz="1600" dirty="0" smtClean="0">
+              <a:latin typeface="HY헤드라인M" panose="02030600000101010101" pitchFamily="18" charset="-127"/>
+              <a:ea typeface="HY헤드라인M" panose="02030600000101010101" pitchFamily="18" charset="-127"/>
+            </a:endParaRPr>
+          </a:p>
+          <a:p>
+            <a:pPr algn="ctr"/>
+            <a:endParaRPr lang="en-US" altLang="ko-KR" sz="1600" dirty="0" smtClean="0">
+              <a:latin typeface="HY헤드라인M" panose="02030600000101010101" pitchFamily="18" charset="-127"/>
+              <a:ea typeface="HY헤드라인M" panose="02030600000101010101" pitchFamily="18" charset="-127"/>
+            </a:endParaRPr>
+          </a:p>
+          <a:p>
+            <a:pPr algn="ctr"/>
+            <a:r>
+              <a:rPr lang="ko-KR" altLang="en-US" sz="1600" dirty="0" err="1" smtClean="0">
+                <a:latin typeface="HY헤드라인M" panose="02030600000101010101" pitchFamily="18" charset="-127"/>
+                <a:ea typeface="HY헤드라인M" panose="02030600000101010101" pitchFamily="18" charset="-127"/>
+              </a:rPr>
+              <a:t>손영빈</a:t>
+            </a:r>
+            <a:r>
+              <a:rPr lang="ko-KR" altLang="en-US" sz="1600" dirty="0" smtClean="0">
+                <a:latin typeface="HY헤드라인M" panose="02030600000101010101" pitchFamily="18" charset="-127"/>
+                <a:ea typeface="HY헤드라인M" panose="02030600000101010101" pitchFamily="18" charset="-127"/>
+              </a:rPr>
+              <a:t> </a:t>
+            </a:r>
+            <a:r>
+              <a:rPr lang="en-US" altLang="ko-KR" sz="1600" dirty="0" smtClean="0">
+                <a:latin typeface="HY헤드라인M" panose="02030600000101010101" pitchFamily="18" charset="-127"/>
+                <a:ea typeface="HY헤드라인M" panose="02030600000101010101" pitchFamily="18" charset="-127"/>
+              </a:rPr>
+              <a:t>: S/W </a:t>
+            </a:r>
+            <a:r>
+              <a:rPr lang="ko-KR" altLang="en-US" sz="1600" dirty="0" smtClean="0">
+                <a:latin typeface="HY헤드라인M" panose="02030600000101010101" pitchFamily="18" charset="-127"/>
+                <a:ea typeface="HY헤드라인M" panose="02030600000101010101" pitchFamily="18" charset="-127"/>
+              </a:rPr>
+              <a:t>프로그램 제작 및 구현</a:t>
+            </a:r>
+            <a:endParaRPr lang="en-US" altLang="ko-KR" sz="1600" dirty="0" smtClean="0">
+              <a:latin typeface="HY헤드라인M" panose="02030600000101010101" pitchFamily="18" charset="-127"/>
+              <a:ea typeface="HY헤드라인M" panose="02030600000101010101" pitchFamily="18" charset="-127"/>
+            </a:endParaRPr>
           </a:p>
         </p:txBody>
       </p:sp>
@@ -4270,7 +4504,7 @@
         </p:blipFill>
         <p:spPr>
           <a:xfrm>
-            <a:off x="2799888" y="4267200"/>
+            <a:off x="2545579" y="1120861"/>
             <a:ext cx="6592220" cy="1895740"/>
           </a:xfrm>
           <a:prstGeom prst="rect">
@@ -4288,13 +4522,13 @@
   <p:clrMapOvr>
     <a:masterClrMapping/>
   </p:clrMapOvr>
-  <mc:AlternateContent xmlns:mc="http://schemas.openxmlformats.org/markup-compatibility/2006" xmlns:p159="http://schemas.microsoft.com/office/powerpoint/2015/09/main">
-    <mc:Choice Requires="p159">
+  <mc:AlternateContent xmlns:mc="http://schemas.openxmlformats.org/markup-compatibility/2006">
+    <mc:Choice xmlns="" xmlns:p159="http://schemas.microsoft.com/office/powerpoint/2015/09/main" Requires="p159">
       <p:transition xmlns:p14="http://schemas.microsoft.com/office/powerpoint/2010/main" spd="slow" p14:dur="2000">
         <p159:morph option="byObject"/>
       </p:transition>
     </mc:Choice>
-    <mc:Fallback xmlns="">
+    <mc:Fallback>
       <p:transition spd="slow">
         <p:fade/>
       </p:transition>
@@ -4579,13 +4813,13 @@
   <p:clrMapOvr>
     <a:masterClrMapping/>
   </p:clrMapOvr>
-  <mc:AlternateContent xmlns:mc="http://schemas.openxmlformats.org/markup-compatibility/2006" xmlns:p159="http://schemas.microsoft.com/office/powerpoint/2015/09/main">
-    <mc:Choice Requires="p159">
+  <mc:AlternateContent xmlns:mc="http://schemas.openxmlformats.org/markup-compatibility/2006">
+    <mc:Choice xmlns="" xmlns:p159="http://schemas.microsoft.com/office/powerpoint/2015/09/main" Requires="p159">
       <p:transition xmlns:p14="http://schemas.microsoft.com/office/powerpoint/2010/main" spd="slow" p14:dur="2000">
         <p159:morph option="byObject"/>
       </p:transition>
     </mc:Choice>
-    <mc:Fallback xmlns="">
+    <mc:Fallback>
       <p:transition spd="slow">
         <p:fade/>
       </p:transition>
@@ -4755,13 +4989,13 @@
   <p:clrMapOvr>
     <a:masterClrMapping/>
   </p:clrMapOvr>
-  <mc:AlternateContent xmlns:mc="http://schemas.openxmlformats.org/markup-compatibility/2006" xmlns:p159="http://schemas.microsoft.com/office/powerpoint/2015/09/main">
-    <mc:Choice Requires="p159">
+  <mc:AlternateContent xmlns:mc="http://schemas.openxmlformats.org/markup-compatibility/2006">
+    <mc:Choice xmlns="" xmlns:p159="http://schemas.microsoft.com/office/powerpoint/2015/09/main" Requires="p159">
       <p:transition xmlns:p14="http://schemas.microsoft.com/office/powerpoint/2010/main" spd="slow" p14:dur="2000">
         <p159:morph option="byObject"/>
       </p:transition>
     </mc:Choice>
-    <mc:Fallback xmlns="">
+    <mc:Fallback>
       <p:transition spd="slow">
         <p:fade/>
       </p:transition>
@@ -5045,13 +5279,13 @@
   <p:clrMapOvr>
     <a:masterClrMapping/>
   </p:clrMapOvr>
-  <mc:AlternateContent xmlns:mc="http://schemas.openxmlformats.org/markup-compatibility/2006" xmlns:p159="http://schemas.microsoft.com/office/powerpoint/2015/09/main">
-    <mc:Choice Requires="p159">
+  <mc:AlternateContent xmlns:mc="http://schemas.openxmlformats.org/markup-compatibility/2006">
+    <mc:Choice xmlns="" xmlns:p159="http://schemas.microsoft.com/office/powerpoint/2015/09/main" Requires="p159">
       <p:transition xmlns:p14="http://schemas.microsoft.com/office/powerpoint/2010/main" spd="slow" p14:dur="2000">
         <p159:morph option="byObject"/>
       </p:transition>
     </mc:Choice>
-    <mc:Fallback xmlns="">
+    <mc:Fallback>
       <p:transition spd="slow">
         <p:fade/>
       </p:transition>
@@ -5324,13 +5558,13 @@
   <p:clrMapOvr>
     <a:masterClrMapping/>
   </p:clrMapOvr>
-  <mc:AlternateContent xmlns:mc="http://schemas.openxmlformats.org/markup-compatibility/2006" xmlns:p159="http://schemas.microsoft.com/office/powerpoint/2015/09/main">
-    <mc:Choice Requires="p159">
+  <mc:AlternateContent xmlns:mc="http://schemas.openxmlformats.org/markup-compatibility/2006">
+    <mc:Choice xmlns="" xmlns:p159="http://schemas.microsoft.com/office/powerpoint/2015/09/main" Requires="p159">
       <p:transition xmlns:p14="http://schemas.microsoft.com/office/powerpoint/2010/main" spd="slow" p14:dur="2000">
         <p159:morph option="byObject"/>
       </p:transition>
     </mc:Choice>
-    <mc:Fallback xmlns="">
+    <mc:Fallback>
       <p:transition spd="slow">
         <p:fade/>
       </p:transition>
@@ -5686,13 +5920,13 @@
   <p:clrMapOvr>
     <a:masterClrMapping/>
   </p:clrMapOvr>
-  <mc:AlternateContent xmlns:mc="http://schemas.openxmlformats.org/markup-compatibility/2006" xmlns:p159="http://schemas.microsoft.com/office/powerpoint/2015/09/main">
-    <mc:Choice Requires="p159">
+  <mc:AlternateContent xmlns:mc="http://schemas.openxmlformats.org/markup-compatibility/2006">
+    <mc:Choice xmlns="" xmlns:p159="http://schemas.microsoft.com/office/powerpoint/2015/09/main" Requires="p159">
       <p:transition xmlns:p14="http://schemas.microsoft.com/office/powerpoint/2010/main" spd="slow" p14:dur="2000">
         <p159:morph option="byObject"/>
       </p:transition>
     </mc:Choice>
-    <mc:Fallback xmlns="">
+    <mc:Fallback>
       <p:transition spd="slow">
         <p:fade/>
       </p:transition>
@@ -5957,13 +6191,13 @@
   <p:clrMapOvr>
     <a:masterClrMapping/>
   </p:clrMapOvr>
-  <mc:AlternateContent xmlns:mc="http://schemas.openxmlformats.org/markup-compatibility/2006" xmlns:p159="http://schemas.microsoft.com/office/powerpoint/2015/09/main">
-    <mc:Choice Requires="p159">
+  <mc:AlternateContent xmlns:mc="http://schemas.openxmlformats.org/markup-compatibility/2006">
+    <mc:Choice xmlns="" xmlns:p159="http://schemas.microsoft.com/office/powerpoint/2015/09/main" Requires="p159">
       <p:transition xmlns:p14="http://schemas.microsoft.com/office/powerpoint/2010/main" spd="slow" p14:dur="2000">
         <p159:morph option="byObject"/>
       </p:transition>
     </mc:Choice>
-    <mc:Fallback xmlns="">
+    <mc:Fallback>
       <p:transition spd="slow">
         <p:fade/>
       </p:transition>
@@ -6128,13 +6362,13 @@
   <p:clrMapOvr>
     <a:masterClrMapping/>
   </p:clrMapOvr>
-  <mc:AlternateContent xmlns:mc="http://schemas.openxmlformats.org/markup-compatibility/2006" xmlns:p159="http://schemas.microsoft.com/office/powerpoint/2015/09/main">
-    <mc:Choice Requires="p159">
+  <mc:AlternateContent xmlns:mc="http://schemas.openxmlformats.org/markup-compatibility/2006">
+    <mc:Choice xmlns="" xmlns:p159="http://schemas.microsoft.com/office/powerpoint/2015/09/main" Requires="p159">
       <p:transition xmlns:p14="http://schemas.microsoft.com/office/powerpoint/2010/main" spd="slow" p14:dur="2000">
         <p159:morph option="byObject"/>
       </p:transition>
     </mc:Choice>
-    <mc:Fallback xmlns="">
+    <mc:Fallback>
       <p:transition spd="slow">
         <p:fade/>
       </p:transition>
@@ -6453,13 +6687,13 @@
   <p:clrMapOvr>
     <a:masterClrMapping/>
   </p:clrMapOvr>
-  <mc:AlternateContent xmlns:mc="http://schemas.openxmlformats.org/markup-compatibility/2006" xmlns:p159="http://schemas.microsoft.com/office/powerpoint/2015/09/main">
-    <mc:Choice Requires="p159">
+  <mc:AlternateContent xmlns:mc="http://schemas.openxmlformats.org/markup-compatibility/2006">
+    <mc:Choice xmlns="" xmlns:p159="http://schemas.microsoft.com/office/powerpoint/2015/09/main" Requires="p159">
       <p:transition xmlns:p14="http://schemas.microsoft.com/office/powerpoint/2010/main" spd="slow" p14:dur="2000">
         <p159:morph option="byObject"/>
       </p:transition>
     </mc:Choice>
-    <mc:Fallback xmlns="">
+    <mc:Fallback>
       <p:transition spd="slow">
         <p:fade/>
       </p:transition>
@@ -7112,13 +7346,13 @@
   <p:clrMapOvr>
     <a:masterClrMapping/>
   </p:clrMapOvr>
-  <mc:AlternateContent xmlns:mc="http://schemas.openxmlformats.org/markup-compatibility/2006" xmlns:p159="http://schemas.microsoft.com/office/powerpoint/2015/09/main">
-    <mc:Choice Requires="p159">
+  <mc:AlternateContent xmlns:mc="http://schemas.openxmlformats.org/markup-compatibility/2006">
+    <mc:Choice xmlns="" xmlns:p159="http://schemas.microsoft.com/office/powerpoint/2015/09/main" Requires="p159">
       <p:transition xmlns:p14="http://schemas.microsoft.com/office/powerpoint/2010/main" spd="slow" p14:dur="2000">
         <p159:morph option="byObject"/>
       </p:transition>
     </mc:Choice>
-    <mc:Fallback xmlns="">
+    <mc:Fallback>
       <p:transition spd="slow">
         <p:fade/>
       </p:transition>
@@ -7358,13 +7592,13 @@
   <p:clrMapOvr>
     <a:masterClrMapping/>
   </p:clrMapOvr>
-  <mc:AlternateContent xmlns:mc="http://schemas.openxmlformats.org/markup-compatibility/2006" xmlns:p159="http://schemas.microsoft.com/office/powerpoint/2015/09/main">
-    <mc:Choice Requires="p159">
+  <mc:AlternateContent xmlns:mc="http://schemas.openxmlformats.org/markup-compatibility/2006">
+    <mc:Choice xmlns="" xmlns:p159="http://schemas.microsoft.com/office/powerpoint/2015/09/main" Requires="p159">
       <p:transition xmlns:p14="http://schemas.microsoft.com/office/powerpoint/2010/main" spd="slow" p14:dur="2000">
         <p159:morph option="byObject"/>
       </p:transition>
     </mc:Choice>
-    <mc:Fallback xmlns="">
+    <mc:Fallback>
       <p:transition spd="slow">
         <p:fade/>
       </p:transition>
@@ -7686,13 +7920,13 @@
   <p:clrMapOvr>
     <a:masterClrMapping/>
   </p:clrMapOvr>
-  <mc:AlternateContent xmlns:mc="http://schemas.openxmlformats.org/markup-compatibility/2006" xmlns:p159="http://schemas.microsoft.com/office/powerpoint/2015/09/main">
-    <mc:Choice Requires="p159">
+  <mc:AlternateContent xmlns:mc="http://schemas.openxmlformats.org/markup-compatibility/2006">
+    <mc:Choice xmlns="" xmlns:p159="http://schemas.microsoft.com/office/powerpoint/2015/09/main" Requires="p159">
       <p:transition xmlns:p14="http://schemas.microsoft.com/office/powerpoint/2010/main" spd="slow" p14:dur="2000">
         <p159:morph option="byObject"/>
       </p:transition>
     </mc:Choice>
-    <mc:Fallback xmlns="">
+    <mc:Fallback>
       <p:transition spd="slow">
         <p:fade/>
       </p:transition>
@@ -7970,13 +8204,13 @@
   <p:clrMapOvr>
     <a:masterClrMapping/>
   </p:clrMapOvr>
-  <mc:AlternateContent xmlns:mc="http://schemas.openxmlformats.org/markup-compatibility/2006" xmlns:p159="http://schemas.microsoft.com/office/powerpoint/2015/09/main">
-    <mc:Choice Requires="p159">
+  <mc:AlternateContent xmlns:mc="http://schemas.openxmlformats.org/markup-compatibility/2006">
+    <mc:Choice xmlns="" xmlns:p159="http://schemas.microsoft.com/office/powerpoint/2015/09/main" Requires="p159">
       <p:transition xmlns:p14="http://schemas.microsoft.com/office/powerpoint/2010/main" spd="slow" p14:dur="2000">
         <p159:morph option="byObject"/>
       </p:transition>
     </mc:Choice>
-    <mc:Fallback xmlns="">
+    <mc:Fallback>
       <p:transition spd="slow">
         <p:fade/>
       </p:transition>
@@ -8890,13 +9124,13 @@
   <p:clrMapOvr>
     <a:masterClrMapping/>
   </p:clrMapOvr>
-  <mc:AlternateContent xmlns:mc="http://schemas.openxmlformats.org/markup-compatibility/2006" xmlns:p159="http://schemas.microsoft.com/office/powerpoint/2015/09/main">
-    <mc:Choice Requires="p159">
+  <mc:AlternateContent xmlns:mc="http://schemas.openxmlformats.org/markup-compatibility/2006">
+    <mc:Choice xmlns="" xmlns:p159="http://schemas.microsoft.com/office/powerpoint/2015/09/main" Requires="p159">
       <p:transition xmlns:p14="http://schemas.microsoft.com/office/powerpoint/2010/main" spd="slow" p14:dur="2000">
         <p159:morph option="byObject"/>
       </p:transition>
     </mc:Choice>
-    <mc:Fallback xmlns="">
+    <mc:Fallback>
       <p:transition spd="slow">
         <p:fade/>
       </p:transition>
@@ -9435,13 +9669,13 @@
   <p:clrMapOvr>
     <a:masterClrMapping/>
   </p:clrMapOvr>
-  <mc:AlternateContent xmlns:mc="http://schemas.openxmlformats.org/markup-compatibility/2006" xmlns:p159="http://schemas.microsoft.com/office/powerpoint/2015/09/main">
-    <mc:Choice Requires="p159">
+  <mc:AlternateContent xmlns:mc="http://schemas.openxmlformats.org/markup-compatibility/2006">
+    <mc:Choice xmlns="" xmlns:p159="http://schemas.microsoft.com/office/powerpoint/2015/09/main" Requires="p159">
       <p:transition xmlns:p14="http://schemas.microsoft.com/office/powerpoint/2010/main" spd="slow" p14:dur="2000">
         <p159:morph option="byObject"/>
       </p:transition>
     </mc:Choice>
-    <mc:Fallback xmlns="">
+    <mc:Fallback>
       <p:transition spd="slow">
         <p:fade/>
       </p:transition>
@@ -9731,13 +9965,13 @@
   <p:clrMapOvr>
     <a:masterClrMapping/>
   </p:clrMapOvr>
-  <mc:AlternateContent xmlns:mc="http://schemas.openxmlformats.org/markup-compatibility/2006" xmlns:p159="http://schemas.microsoft.com/office/powerpoint/2015/09/main">
-    <mc:Choice Requires="p159">
+  <mc:AlternateContent xmlns:mc="http://schemas.openxmlformats.org/markup-compatibility/2006">
+    <mc:Choice xmlns="" xmlns:p159="http://schemas.microsoft.com/office/powerpoint/2015/09/main" Requires="p159">
       <p:transition xmlns:p14="http://schemas.microsoft.com/office/powerpoint/2010/main" spd="slow" p14:dur="2000">
         <p159:morph option="byObject"/>
       </p:transition>
     </mc:Choice>
-    <mc:Fallback xmlns="">
+    <mc:Fallback>
       <p:transition spd="slow">
         <p:fade/>
       </p:transition>
@@ -9977,13 +10211,13 @@
   <p:clrMapOvr>
     <a:masterClrMapping/>
   </p:clrMapOvr>
-  <mc:AlternateContent xmlns:mc="http://schemas.openxmlformats.org/markup-compatibility/2006" xmlns:p159="http://schemas.microsoft.com/office/powerpoint/2015/09/main">
-    <mc:Choice Requires="p159">
+  <mc:AlternateContent xmlns:mc="http://schemas.openxmlformats.org/markup-compatibility/2006">
+    <mc:Choice xmlns="" xmlns:p159="http://schemas.microsoft.com/office/powerpoint/2015/09/main" Requires="p159">
       <p:transition xmlns:p14="http://schemas.microsoft.com/office/powerpoint/2010/main" spd="slow" p14:dur="2000">
         <p159:morph option="byObject"/>
       </p:transition>
     </mc:Choice>
-    <mc:Fallback xmlns="">
+    <mc:Fallback>
       <p:transition spd="slow">
         <p:fade/>
       </p:transition>
@@ -10286,13 +10520,13 @@
   <p:clrMapOvr>
     <a:masterClrMapping/>
   </p:clrMapOvr>
-  <mc:AlternateContent xmlns:mc="http://schemas.openxmlformats.org/markup-compatibility/2006" xmlns:p159="http://schemas.microsoft.com/office/powerpoint/2015/09/main">
-    <mc:Choice Requires="p159">
+  <mc:AlternateContent xmlns:mc="http://schemas.openxmlformats.org/markup-compatibility/2006">
+    <mc:Choice xmlns="" xmlns:p159="http://schemas.microsoft.com/office/powerpoint/2015/09/main" Requires="p159">
       <p:transition xmlns:p14="http://schemas.microsoft.com/office/powerpoint/2010/main" spd="slow" p14:dur="2000">
         <p159:morph option="byObject"/>
       </p:transition>
     </mc:Choice>
-    <mc:Fallback xmlns="">
+    <mc:Fallback>
       <p:transition spd="slow">
         <p:fade/>
       </p:transition>
@@ -10863,13 +11097,13 @@
   <p:clrMapOvr>
     <a:masterClrMapping/>
   </p:clrMapOvr>
-  <mc:AlternateContent xmlns:mc="http://schemas.openxmlformats.org/markup-compatibility/2006" xmlns:p159="http://schemas.microsoft.com/office/powerpoint/2015/09/main">
-    <mc:Choice Requires="p159">
+  <mc:AlternateContent xmlns:mc="http://schemas.openxmlformats.org/markup-compatibility/2006">
+    <mc:Choice xmlns="" xmlns:p159="http://schemas.microsoft.com/office/powerpoint/2015/09/main" Requires="p159">
       <p:transition xmlns:p14="http://schemas.microsoft.com/office/powerpoint/2010/main" spd="slow" p14:dur="2000">
         <p159:morph option="byObject"/>
       </p:transition>
     </mc:Choice>
-    <mc:Fallback xmlns="">
+    <mc:Fallback>
       <p:transition spd="slow">
         <p:fade/>
       </p:transition>
